--- a/Nhom9.PP.pptx
+++ b/Nhom9.PP.pptx
@@ -46,24 +46,24 @@
   <p:notesSz cx="6858000" cy="9144000"/>
   <p:embeddedFontLst>
     <p:embeddedFont>
-      <p:font typeface="Lato Black" panose="020B0604020202020204" charset="0"/>
-      <p:bold r:id="rId36"/>
-      <p:boldItalic r:id="rId37"/>
-    </p:embeddedFont>
-    <p:embeddedFont>
       <p:font typeface="Lato" panose="020B0604020202020204" charset="0"/>
-      <p:regular r:id="rId38"/>
-      <p:bold r:id="rId39"/>
-      <p:italic r:id="rId40"/>
-      <p:boldItalic r:id="rId41"/>
+      <p:regular r:id="rId36"/>
+      <p:bold r:id="rId37"/>
+      <p:italic r:id="rId38"/>
+      <p:boldItalic r:id="rId39"/>
     </p:embeddedFont>
     <p:embeddedFont>
       <p:font typeface="Abel" panose="020B0604020202020204" charset="0"/>
-      <p:regular r:id="rId42"/>
+      <p:regular r:id="rId40"/>
     </p:embeddedFont>
     <p:embeddedFont>
       <p:font typeface="Alata" panose="020B0604020202020204" charset="0"/>
-      <p:regular r:id="rId43"/>
+      <p:regular r:id="rId41"/>
+    </p:embeddedFont>
+    <p:embeddedFont>
+      <p:font typeface="Lato Black" panose="020B0604020202020204" charset="0"/>
+      <p:bold r:id="rId42"/>
+      <p:boldItalic r:id="rId43"/>
     </p:embeddedFont>
   </p:embeddedFontLst>
   <p:defaultTextStyle>
@@ -16542,13 +16542,13 @@
   <p:clrMapOvr>
     <a:masterClrMapping/>
   </p:clrMapOvr>
-  <mc:AlternateContent xmlns:mc="http://schemas.openxmlformats.org/markup-compatibility/2006">
-    <mc:Choice xmlns:p14="http://schemas.microsoft.com/office/powerpoint/2010/main" Requires="p14">
+  <mc:AlternateContent xmlns:mc="http://schemas.openxmlformats.org/markup-compatibility/2006" xmlns:p14="http://schemas.microsoft.com/office/powerpoint/2010/main">
+    <mc:Choice Requires="p14">
       <p:transition spd="slow" p14:dur="1500">
         <p:split orient="vert"/>
       </p:transition>
     </mc:Choice>
-    <mc:Fallback>
+    <mc:Fallback xmlns="">
       <p:transition spd="slow">
         <p:split orient="vert"/>
       </p:transition>
@@ -16776,13 +16776,13 @@
   <p:clrMapOvr>
     <a:masterClrMapping/>
   </p:clrMapOvr>
-  <mc:AlternateContent xmlns:mc="http://schemas.openxmlformats.org/markup-compatibility/2006">
-    <mc:Choice xmlns:p14="http://schemas.microsoft.com/office/powerpoint/2010/main" Requires="p14">
+  <mc:AlternateContent xmlns:mc="http://schemas.openxmlformats.org/markup-compatibility/2006" xmlns:p14="http://schemas.microsoft.com/office/powerpoint/2010/main">
+    <mc:Choice Requires="p14">
       <p:transition spd="slow" p14:dur="1500">
         <p:split orient="vert"/>
       </p:transition>
     </mc:Choice>
-    <mc:Fallback>
+    <mc:Fallback xmlns="">
       <p:transition spd="slow">
         <p:split orient="vert"/>
       </p:transition>
@@ -17035,13 +17035,13 @@
   <p:clrMapOvr>
     <a:masterClrMapping/>
   </p:clrMapOvr>
-  <mc:AlternateContent xmlns:mc="http://schemas.openxmlformats.org/markup-compatibility/2006">
-    <mc:Choice xmlns:p14="http://schemas.microsoft.com/office/powerpoint/2010/main" Requires="p14">
+  <mc:AlternateContent xmlns:mc="http://schemas.openxmlformats.org/markup-compatibility/2006" xmlns:p14="http://schemas.microsoft.com/office/powerpoint/2010/main">
+    <mc:Choice Requires="p14">
       <p:transition spd="slow" p14:dur="1500">
         <p:split orient="vert"/>
       </p:transition>
     </mc:Choice>
-    <mc:Fallback>
+    <mc:Fallback xmlns="">
       <p:transition spd="slow">
         <p:split orient="vert"/>
       </p:transition>
@@ -17319,13 +17319,13 @@
   <p:clrMapOvr>
     <a:masterClrMapping/>
   </p:clrMapOvr>
-  <mc:AlternateContent xmlns:mc="http://schemas.openxmlformats.org/markup-compatibility/2006">
-    <mc:Choice xmlns:p14="http://schemas.microsoft.com/office/powerpoint/2010/main" Requires="p14">
+  <mc:AlternateContent xmlns:mc="http://schemas.openxmlformats.org/markup-compatibility/2006" xmlns:p14="http://schemas.microsoft.com/office/powerpoint/2010/main">
+    <mc:Choice Requires="p14">
       <p:transition spd="slow" p14:dur="1500">
         <p:split orient="vert"/>
       </p:transition>
     </mc:Choice>
-    <mc:Fallback>
+    <mc:Fallback xmlns="">
       <p:transition spd="slow">
         <p:split orient="vert"/>
       </p:transition>
@@ -17887,13 +17887,13 @@
   <p:clrMapOvr>
     <a:masterClrMapping/>
   </p:clrMapOvr>
-  <mc:AlternateContent xmlns:mc="http://schemas.openxmlformats.org/markup-compatibility/2006">
-    <mc:Choice xmlns:p14="http://schemas.microsoft.com/office/powerpoint/2010/main" Requires="p14">
+  <mc:AlternateContent xmlns:mc="http://schemas.openxmlformats.org/markup-compatibility/2006" xmlns:p14="http://schemas.microsoft.com/office/powerpoint/2010/main">
+    <mc:Choice Requires="p14">
       <p:transition spd="slow" p14:dur="1500">
         <p:split orient="vert"/>
       </p:transition>
     </mc:Choice>
-    <mc:Fallback>
+    <mc:Fallback xmlns="">
       <p:transition spd="slow">
         <p:split orient="vert"/>
       </p:transition>
@@ -18149,13 +18149,13 @@
   <p:clrMapOvr>
     <a:masterClrMapping/>
   </p:clrMapOvr>
-  <mc:AlternateContent xmlns:mc="http://schemas.openxmlformats.org/markup-compatibility/2006">
-    <mc:Choice xmlns:p14="http://schemas.microsoft.com/office/powerpoint/2010/main" Requires="p14">
+  <mc:AlternateContent xmlns:mc="http://schemas.openxmlformats.org/markup-compatibility/2006" xmlns:p14="http://schemas.microsoft.com/office/powerpoint/2010/main">
+    <mc:Choice Requires="p14">
       <p:transition spd="slow" p14:dur="1500">
         <p:split orient="vert"/>
       </p:transition>
     </mc:Choice>
-    <mc:Fallback>
+    <mc:Fallback xmlns="">
       <p:transition spd="slow">
         <p:split orient="vert"/>
       </p:transition>
@@ -18655,13 +18655,13 @@
   <p:clrMapOvr>
     <a:masterClrMapping/>
   </p:clrMapOvr>
-  <mc:AlternateContent xmlns:mc="http://schemas.openxmlformats.org/markup-compatibility/2006">
-    <mc:Choice xmlns:p14="http://schemas.microsoft.com/office/powerpoint/2010/main" Requires="p14">
+  <mc:AlternateContent xmlns:mc="http://schemas.openxmlformats.org/markup-compatibility/2006" xmlns:p14="http://schemas.microsoft.com/office/powerpoint/2010/main">
+    <mc:Choice Requires="p14">
       <p:transition spd="slow" p14:dur="1500">
         <p:split orient="vert"/>
       </p:transition>
     </mc:Choice>
-    <mc:Fallback>
+    <mc:Fallback xmlns="">
       <p:transition spd="slow">
         <p:split orient="vert"/>
       </p:transition>
@@ -20078,8 +20078,8 @@
         </p:blipFill>
         <p:spPr>
           <a:xfrm>
-            <a:off x="1040360" y="0"/>
-            <a:ext cx="5099117" cy="5143500"/>
+            <a:off x="1246053" y="0"/>
+            <a:ext cx="5074460" cy="5143500"/>
           </a:xfrm>
           <a:prstGeom prst="rect">
             <a:avLst/>
@@ -41032,13 +41032,13 @@
   <p:clrMapOvr>
     <a:masterClrMapping/>
   </p:clrMapOvr>
-  <mc:AlternateContent xmlns:mc="http://schemas.openxmlformats.org/markup-compatibility/2006">
-    <mc:Choice xmlns:p14="http://schemas.microsoft.com/office/powerpoint/2010/main" Requires="p14">
+  <mc:AlternateContent xmlns:mc="http://schemas.openxmlformats.org/markup-compatibility/2006" xmlns:p14="http://schemas.microsoft.com/office/powerpoint/2010/main">
+    <mc:Choice Requires="p14">
       <p:transition spd="slow" p14:dur="1500">
         <p:split orient="vert"/>
       </p:transition>
     </mc:Choice>
-    <mc:Fallback>
+    <mc:Fallback xmlns="">
       <p:transition spd="slow">
         <p:split orient="vert"/>
       </p:transition>
@@ -47146,13 +47146,13 @@
   <p:clrMapOvr>
     <a:masterClrMapping/>
   </p:clrMapOvr>
-  <mc:AlternateContent xmlns:mc="http://schemas.openxmlformats.org/markup-compatibility/2006">
-    <mc:Choice xmlns:p14="http://schemas.microsoft.com/office/powerpoint/2010/main" Requires="p14">
+  <mc:AlternateContent xmlns:mc="http://schemas.openxmlformats.org/markup-compatibility/2006" xmlns:p14="http://schemas.microsoft.com/office/powerpoint/2010/main">
+    <mc:Choice Requires="p14">
       <p:transition spd="slow" p14:dur="1500">
         <p:split orient="vert"/>
       </p:transition>
     </mc:Choice>
-    <mc:Fallback>
+    <mc:Fallback xmlns="">
       <p:transition spd="slow">
         <p:split orient="vert"/>
       </p:transition>

--- a/Nhom9.PP.pptx
+++ b/Nhom9.PP.pptx
@@ -46,9 +46,12 @@
   <p:notesSz cx="6858000" cy="9144000"/>
   <p:embeddedFontLst>
     <p:embeddedFont>
-      <p:font typeface="Lato Black" panose="020B0604020202020204" charset="0"/>
-      <p:bold r:id="rId36"/>
-      <p:boldItalic r:id="rId37"/>
+      <p:font typeface="Abel" panose="020B0604020202020204" charset="0"/>
+      <p:regular r:id="rId36"/>
+    </p:embeddedFont>
+    <p:embeddedFont>
+      <p:font typeface="Alata" panose="020B0604020202020204" charset="0"/>
+      <p:regular r:id="rId37"/>
     </p:embeddedFont>
     <p:embeddedFont>
       <p:font typeface="Lato" panose="020B0604020202020204" charset="0"/>
@@ -58,12 +61,9 @@
       <p:boldItalic r:id="rId41"/>
     </p:embeddedFont>
     <p:embeddedFont>
-      <p:font typeface="Abel" panose="020B0604020202020204" charset="0"/>
-      <p:regular r:id="rId42"/>
-    </p:embeddedFont>
-    <p:embeddedFont>
-      <p:font typeface="Alata" panose="020B0604020202020204" charset="0"/>
-      <p:regular r:id="rId43"/>
+      <p:font typeface="Lato Black" panose="020B0604020202020204" charset="0"/>
+      <p:bold r:id="rId42"/>
+      <p:boldItalic r:id="rId43"/>
     </p:embeddedFont>
   </p:embeddedFontLst>
   <p:defaultTextStyle>
@@ -297,7 +297,7 @@
   </p:defaultTextStyle>
   <p:extLst>
     <p:ext uri="{EFAFB233-063F-42B5-8137-9DF3F51BA10A}">
-      <p15:sldGuideLst xmlns:ahyp="http://schemas.microsoft.com/office/drawing/2018/hyperlinkcolor" xmlns:p15="http://schemas.microsoft.com/office/powerpoint/2012/main" xmlns:p14="http://schemas.microsoft.com/office/powerpoint/2010/main" xmlns:com="http://schemas.openxmlformats.org/drawingml/2006/compatibility" xmlns:pvml="urn:schemas-microsoft-com:office:powerpoint" xmlns:v="urn:schemas-microsoft-com:vml" xmlns:o="urn:schemas-microsoft-com:office:office" xmlns:dgm="http://schemas.openxmlformats.org/drawingml/2006/diagram" xmlns:c="http://schemas.openxmlformats.org/drawingml/2006/chart" xmlns:mv="urn:schemas-microsoft-com:mac:vml" xmlns:mc="http://schemas.openxmlformats.org/markup-compatibility/2006" xmlns="">
+      <p15:sldGuideLst xmlns:p15="http://schemas.microsoft.com/office/powerpoint/2012/main">
         <p15:guide id="1" orient="horz" pos="1801">
           <p15:clr>
             <a:srgbClr val="A4A3A4"/>
@@ -311,7 +311,7 @@
       </p15:sldGuideLst>
     </p:ext>
     <p:ext uri="http://customooxmlschemas.google.com/">
-      <go:slidesCustomData xmlns:go="http://customooxmlschemas.google.com/" xmlns:ahyp="http://schemas.microsoft.com/office/drawing/2018/hyperlinkcolor" xmlns:p15="http://schemas.microsoft.com/office/powerpoint/2012/main" xmlns:p14="http://schemas.microsoft.com/office/powerpoint/2010/main" xmlns:com="http://schemas.openxmlformats.org/drawingml/2006/compatibility" xmlns:pvml="urn:schemas-microsoft-com:office:powerpoint" xmlns:v="urn:schemas-microsoft-com:vml" xmlns:o="urn:schemas-microsoft-com:office:office" xmlns:dgm="http://schemas.openxmlformats.org/drawingml/2006/diagram" xmlns:c="http://schemas.openxmlformats.org/drawingml/2006/chart" xmlns:mv="urn:schemas-microsoft-com:mac:vml" xmlns:mc="http://schemas.openxmlformats.org/markup-compatibility/2006" xmlns="" r:id="rId47" roundtripDataSignature="AMtx7mh0j6egSC0tmJxNEEg1LnCkl0hm0A=="/>
+      <go:slidesCustomData xmlns="" xmlns:mc="http://schemas.openxmlformats.org/markup-compatibility/2006" xmlns:mv="urn:schemas-microsoft-com:mac:vml" xmlns:c="http://schemas.openxmlformats.org/drawingml/2006/chart" xmlns:dgm="http://schemas.openxmlformats.org/drawingml/2006/diagram" xmlns:o="urn:schemas-microsoft-com:office:office" xmlns:v="urn:schemas-microsoft-com:vml" xmlns:pvml="urn:schemas-microsoft-com:office:powerpoint" xmlns:com="http://schemas.openxmlformats.org/drawingml/2006/compatibility" xmlns:p14="http://schemas.microsoft.com/office/powerpoint/2010/main" xmlns:p15="http://schemas.microsoft.com/office/powerpoint/2012/main" xmlns:ahyp="http://schemas.microsoft.com/office/drawing/2018/hyperlinkcolor" xmlns:go="http://customooxmlschemas.google.com/" r:id="rId47" roundtripDataSignature="AMtx7mh0j6egSC0tmJxNEEg1LnCkl0hm0A=="/>
     </p:ext>
   </p:extLst>
 </p:presentation>
@@ -15372,7 +15372,7 @@
               <a:buSzPts val="2400"/>
             </a:pPr>
             <a:r>
-              <a:rPr lang="en-US" sz="2400" b="1" i="1" strike="noStrike" cap="none" dirty="0" smtClean="0">
+              <a:rPr lang="en-US" sz="2400" b="1" i="1" strike="noStrike" cap="none" dirty="0">
                 <a:solidFill>
                   <a:schemeClr val="dk2"/>
                 </a:solidFill>
@@ -16542,25 +16542,18 @@
   <p:clrMapOvr>
     <a:masterClrMapping/>
   </p:clrMapOvr>
-  <mc:AlternateContent xmlns:mc="http://schemas.openxmlformats.org/markup-compatibility/2006">
-    <mc:Choice xmlns:p14="http://schemas.microsoft.com/office/powerpoint/2010/main" Requires="p14">
+  <mc:AlternateContent xmlns:mc="http://schemas.openxmlformats.org/markup-compatibility/2006" xmlns:p14="http://schemas.microsoft.com/office/powerpoint/2010/main">
+    <mc:Choice Requires="p14">
       <p:transition spd="slow" p14:dur="1500">
         <p:split orient="vert"/>
       </p:transition>
     </mc:Choice>
-    <mc:Fallback>
+    <mc:Fallback xmlns="">
       <p:transition spd="slow">
         <p:split orient="vert"/>
       </p:transition>
     </mc:Fallback>
   </mc:AlternateContent>
-  <p:timing>
-    <p:tnLst>
-      <p:par>
-        <p:cTn id="1" dur="indefinite" restart="never" nodeType="tmRoot"/>
-      </p:par>
-    </p:tnLst>
-  </p:timing>
 </p:sld>
 </file>
 
@@ -16776,25 +16769,18 @@
   <p:clrMapOvr>
     <a:masterClrMapping/>
   </p:clrMapOvr>
-  <mc:AlternateContent xmlns:mc="http://schemas.openxmlformats.org/markup-compatibility/2006">
-    <mc:Choice xmlns:p14="http://schemas.microsoft.com/office/powerpoint/2010/main" Requires="p14">
+  <mc:AlternateContent xmlns:mc="http://schemas.openxmlformats.org/markup-compatibility/2006" xmlns:p14="http://schemas.microsoft.com/office/powerpoint/2010/main">
+    <mc:Choice Requires="p14">
       <p:transition spd="slow" p14:dur="1500">
         <p:split orient="vert"/>
       </p:transition>
     </mc:Choice>
-    <mc:Fallback>
+    <mc:Fallback xmlns="">
       <p:transition spd="slow">
         <p:split orient="vert"/>
       </p:transition>
     </mc:Fallback>
   </mc:AlternateContent>
-  <p:timing>
-    <p:tnLst>
-      <p:par>
-        <p:cTn id="1" dur="indefinite" restart="never" nodeType="tmRoot"/>
-      </p:par>
-    </p:tnLst>
-  </p:timing>
 </p:sld>
 </file>
 
@@ -17035,25 +17021,18 @@
   <p:clrMapOvr>
     <a:masterClrMapping/>
   </p:clrMapOvr>
-  <mc:AlternateContent xmlns:mc="http://schemas.openxmlformats.org/markup-compatibility/2006">
-    <mc:Choice xmlns:p14="http://schemas.microsoft.com/office/powerpoint/2010/main" Requires="p14">
+  <mc:AlternateContent xmlns:mc="http://schemas.openxmlformats.org/markup-compatibility/2006" xmlns:p14="http://schemas.microsoft.com/office/powerpoint/2010/main">
+    <mc:Choice Requires="p14">
       <p:transition spd="slow" p14:dur="1500">
         <p:split orient="vert"/>
       </p:transition>
     </mc:Choice>
-    <mc:Fallback>
+    <mc:Fallback xmlns="">
       <p:transition spd="slow">
         <p:split orient="vert"/>
       </p:transition>
     </mc:Fallback>
   </mc:AlternateContent>
-  <p:timing>
-    <p:tnLst>
-      <p:par>
-        <p:cTn id="1" dur="indefinite" restart="never" nodeType="tmRoot"/>
-      </p:par>
-    </p:tnLst>
-  </p:timing>
 </p:sld>
 </file>
 
@@ -17319,25 +17298,18 @@
   <p:clrMapOvr>
     <a:masterClrMapping/>
   </p:clrMapOvr>
-  <mc:AlternateContent xmlns:mc="http://schemas.openxmlformats.org/markup-compatibility/2006">
-    <mc:Choice xmlns:p14="http://schemas.microsoft.com/office/powerpoint/2010/main" Requires="p14">
+  <mc:AlternateContent xmlns:mc="http://schemas.openxmlformats.org/markup-compatibility/2006" xmlns:p14="http://schemas.microsoft.com/office/powerpoint/2010/main">
+    <mc:Choice Requires="p14">
       <p:transition spd="slow" p14:dur="1500">
         <p:split orient="vert"/>
       </p:transition>
     </mc:Choice>
-    <mc:Fallback>
+    <mc:Fallback xmlns="">
       <p:transition spd="slow">
         <p:split orient="vert"/>
       </p:transition>
     </mc:Fallback>
   </mc:AlternateContent>
-  <p:timing>
-    <p:tnLst>
-      <p:par>
-        <p:cTn id="1" dur="indefinite" restart="never" nodeType="tmRoot"/>
-      </p:par>
-    </p:tnLst>
-  </p:timing>
 </p:sld>
 </file>
 
@@ -17887,25 +17859,18 @@
   <p:clrMapOvr>
     <a:masterClrMapping/>
   </p:clrMapOvr>
-  <mc:AlternateContent xmlns:mc="http://schemas.openxmlformats.org/markup-compatibility/2006">
-    <mc:Choice xmlns:p14="http://schemas.microsoft.com/office/powerpoint/2010/main" Requires="p14">
+  <mc:AlternateContent xmlns:mc="http://schemas.openxmlformats.org/markup-compatibility/2006" xmlns:p14="http://schemas.microsoft.com/office/powerpoint/2010/main">
+    <mc:Choice Requires="p14">
       <p:transition spd="slow" p14:dur="1500">
         <p:split orient="vert"/>
       </p:transition>
     </mc:Choice>
-    <mc:Fallback>
+    <mc:Fallback xmlns="">
       <p:transition spd="slow">
         <p:split orient="vert"/>
       </p:transition>
     </mc:Fallback>
   </mc:AlternateContent>
-  <p:timing>
-    <p:tnLst>
-      <p:par>
-        <p:cTn id="1" dur="indefinite" restart="never" nodeType="tmRoot"/>
-      </p:par>
-    </p:tnLst>
-  </p:timing>
 </p:sld>
 </file>
 
@@ -18149,25 +18114,18 @@
   <p:clrMapOvr>
     <a:masterClrMapping/>
   </p:clrMapOvr>
-  <mc:AlternateContent xmlns:mc="http://schemas.openxmlformats.org/markup-compatibility/2006">
-    <mc:Choice xmlns:p14="http://schemas.microsoft.com/office/powerpoint/2010/main" Requires="p14">
+  <mc:AlternateContent xmlns:mc="http://schemas.openxmlformats.org/markup-compatibility/2006" xmlns:p14="http://schemas.microsoft.com/office/powerpoint/2010/main">
+    <mc:Choice Requires="p14">
       <p:transition spd="slow" p14:dur="1500">
         <p:split orient="vert"/>
       </p:transition>
     </mc:Choice>
-    <mc:Fallback>
+    <mc:Fallback xmlns="">
       <p:transition spd="slow">
         <p:split orient="vert"/>
       </p:transition>
     </mc:Fallback>
   </mc:AlternateContent>
-  <p:timing>
-    <p:tnLst>
-      <p:par>
-        <p:cTn id="1" dur="indefinite" restart="never" nodeType="tmRoot"/>
-      </p:par>
-    </p:tnLst>
-  </p:timing>
 </p:sld>
 </file>
 
@@ -18421,13 +18379,6 @@
   <p:clrMapOvr>
     <a:masterClrMapping/>
   </p:clrMapOvr>
-  <p:timing>
-    <p:tnLst>
-      <p:par>
-        <p:cTn id="1" dur="indefinite" restart="never" nodeType="tmRoot"/>
-      </p:par>
-    </p:tnLst>
-  </p:timing>
 </p:sld>
 </file>
 
@@ -18655,25 +18606,18 @@
   <p:clrMapOvr>
     <a:masterClrMapping/>
   </p:clrMapOvr>
-  <mc:AlternateContent xmlns:mc="http://schemas.openxmlformats.org/markup-compatibility/2006">
-    <mc:Choice xmlns:p14="http://schemas.microsoft.com/office/powerpoint/2010/main" Requires="p14">
+  <mc:AlternateContent xmlns:mc="http://schemas.openxmlformats.org/markup-compatibility/2006" xmlns:p14="http://schemas.microsoft.com/office/powerpoint/2010/main">
+    <mc:Choice Requires="p14">
       <p:transition spd="slow" p14:dur="1500">
         <p:split orient="vert"/>
       </p:transition>
     </mc:Choice>
-    <mc:Fallback>
+    <mc:Fallback xmlns="">
       <p:transition spd="slow">
         <p:split orient="vert"/>
       </p:transition>
     </mc:Fallback>
   </mc:AlternateContent>
-  <p:timing>
-    <p:tnLst>
-      <p:par>
-        <p:cTn id="1" dur="indefinite" restart="never" nodeType="tmRoot"/>
-      </p:par>
-    </p:tnLst>
-  </p:timing>
 </p:sld>
 </file>
 
@@ -19362,13 +19306,6 @@
   <p:transition spd="slow">
     <p:wipe/>
   </p:transition>
-  <p:timing>
-    <p:tnLst>
-      <p:par>
-        <p:cTn id="1" dur="indefinite" restart="never" nodeType="tmRoot"/>
-      </p:par>
-    </p:tnLst>
-  </p:timing>
 </p:sld>
 </file>
 
@@ -20058,28 +19995,28 @@
       </p:grpSp>
       <p:pic>
         <p:nvPicPr>
-          <p:cNvPr id="2" name="Picture 1"/>
+          <p:cNvPr id="4" name="Picture 3">
+            <a:extLst>
+              <a:ext uri="{FF2B5EF4-FFF2-40B4-BE49-F238E27FC236}">
+                <a16:creationId xmlns:a16="http://schemas.microsoft.com/office/drawing/2014/main" id="{596FCA59-FD7A-46E7-B8C8-3A8DFDA802BF}"/>
+              </a:ext>
+            </a:extLst>
+          </p:cNvPr>
           <p:cNvPicPr>
             <a:picLocks noChangeAspect="1"/>
           </p:cNvPicPr>
           <p:nvPr/>
         </p:nvPicPr>
         <p:blipFill>
-          <a:blip r:embed="rId3">
-            <a:extLst>
-              <a:ext uri="{28A0092B-C50C-407E-A947-70E740481C1C}">
-                <a14:useLocalDpi xmlns:a14="http://schemas.microsoft.com/office/drawing/2010/main" val="0"/>
-              </a:ext>
-            </a:extLst>
-          </a:blip>
+          <a:blip r:embed="rId3"/>
           <a:stretch>
             <a:fillRect/>
           </a:stretch>
         </p:blipFill>
         <p:spPr>
           <a:xfrm>
-            <a:off x="1040360" y="0"/>
-            <a:ext cx="5099117" cy="5143500"/>
+            <a:off x="856507" y="-84666"/>
+            <a:ext cx="5094186" cy="5143500"/>
           </a:xfrm>
           <a:prstGeom prst="rect">
             <a:avLst/>
@@ -20094,13 +20031,6 @@
   <p:transition spd="slow">
     <p:wipe/>
   </p:transition>
-  <p:timing>
-    <p:tnLst>
-      <p:par>
-        <p:cTn id="1" dur="indefinite" restart="never" nodeType="tmRoot"/>
-      </p:par>
-    </p:tnLst>
-  </p:timing>
 </p:sld>
 </file>
 
@@ -24235,13 +24165,6 @@
   <p:transition spd="slow">
     <p:wipe/>
   </p:transition>
-  <p:timing>
-    <p:tnLst>
-      <p:par>
-        <p:cTn id="1" dur="indefinite" restart="never" nodeType="tmRoot"/>
-      </p:par>
-    </p:tnLst>
-  </p:timing>
 </p:sld>
 </file>
 
@@ -24957,13 +24880,6 @@
   <p:transition spd="slow">
     <p:wipe/>
   </p:transition>
-  <p:timing>
-    <p:tnLst>
-      <p:par>
-        <p:cTn id="1" dur="indefinite" restart="never" nodeType="tmRoot"/>
-      </p:par>
-    </p:tnLst>
-  </p:timing>
 </p:sld>
 </file>
 
@@ -25679,13 +25595,6 @@
   <p:transition spd="slow">
     <p:wipe/>
   </p:transition>
-  <p:timing>
-    <p:tnLst>
-      <p:par>
-        <p:cTn id="1" dur="indefinite" restart="never" nodeType="tmRoot"/>
-      </p:par>
-    </p:tnLst>
-  </p:timing>
 </p:sld>
 </file>
 
@@ -26401,13 +26310,6 @@
   <p:transition spd="slow">
     <p:wipe/>
   </p:transition>
-  <p:timing>
-    <p:tnLst>
-      <p:par>
-        <p:cTn id="1" dur="indefinite" restart="never" nodeType="tmRoot"/>
-      </p:par>
-    </p:tnLst>
-  </p:timing>
 </p:sld>
 </file>
 
@@ -27123,14 +27025,14 @@
               <a:t> </a:t>
             </a:r>
             <a:r>
-              <a:rPr lang="en-US" sz="3600" b="1" dirty="0" err="1" smtClean="0">
+              <a:rPr lang="en-US" sz="3600" b="1" dirty="0" err="1">
                 <a:latin typeface="Times New Roman" panose="02020603050405020304" pitchFamily="18" charset="0"/>
                 <a:cs typeface="Times New Roman" panose="02020603050405020304" pitchFamily="18" charset="0"/>
               </a:rPr>
               <a:t>xuất</a:t>
             </a:r>
             <a:r>
-              <a:rPr lang="en-US" sz="3600" b="1" dirty="0" smtClean="0">
+              <a:rPr lang="en-US" sz="3600" b="1" dirty="0">
                 <a:latin typeface="Times New Roman" panose="02020603050405020304" pitchFamily="18" charset="0"/>
                 <a:cs typeface="Times New Roman" panose="02020603050405020304" pitchFamily="18" charset="0"/>
               </a:rPr>
@@ -27218,13 +27120,6 @@
   <p:transition spd="slow">
     <p:wipe/>
   </p:transition>
-  <p:timing>
-    <p:tnLst>
-      <p:par>
-        <p:cTn id="1" dur="indefinite" restart="never" nodeType="tmRoot"/>
-      </p:par>
-    </p:tnLst>
-  </p:timing>
 </p:sld>
 </file>
 
@@ -27330,14 +27225,14 @@
               <a:t> </a:t>
             </a:r>
             <a:r>
-              <a:rPr lang="en-US" sz="3600" b="1" dirty="0" err="1" smtClean="0">
+              <a:rPr lang="en-US" sz="3600" b="1" dirty="0" err="1">
                 <a:latin typeface="Times New Roman" panose="02020603050405020304" pitchFamily="18" charset="0"/>
                 <a:cs typeface="Times New Roman" panose="02020603050405020304" pitchFamily="18" charset="0"/>
               </a:rPr>
               <a:t>xuất</a:t>
             </a:r>
             <a:r>
-              <a:rPr lang="en-US" sz="3600" b="1" dirty="0" smtClean="0">
+              <a:rPr lang="en-US" sz="3600" b="1" dirty="0">
                 <a:latin typeface="Times New Roman" panose="02020603050405020304" pitchFamily="18" charset="0"/>
                 <a:cs typeface="Times New Roman" panose="02020603050405020304" pitchFamily="18" charset="0"/>
               </a:rPr>
@@ -27995,13 +27890,6 @@
   <p:transition spd="slow">
     <p:wipe/>
   </p:transition>
-  <p:timing>
-    <p:tnLst>
-      <p:par>
-        <p:cTn id="1" dur="indefinite" restart="never" nodeType="tmRoot"/>
-      </p:par>
-    </p:tnLst>
-  </p:timing>
 </p:sld>
 </file>
 
@@ -28690,13 +28578,6 @@
   <p:transition spd="slow">
     <p:wipe/>
   </p:transition>
-  <p:timing>
-    <p:tnLst>
-      <p:par>
-        <p:cTn id="1" dur="indefinite" restart="never" nodeType="tmRoot"/>
-      </p:par>
-    </p:tnLst>
-  </p:timing>
 </p:sld>
 </file>
 
@@ -29423,13 +29304,6 @@
   <p:transition spd="slow">
     <p:wipe/>
   </p:transition>
-  <p:timing>
-    <p:tnLst>
-      <p:par>
-        <p:cTn id="1" dur="indefinite" restart="never" nodeType="tmRoot"/>
-      </p:par>
-    </p:tnLst>
-  </p:timing>
 </p:sld>
 </file>
 
@@ -32642,13 +32516,6 @@
   <p:transition spd="slow">
     <p:wipe/>
   </p:transition>
-  <p:timing>
-    <p:tnLst>
-      <p:par>
-        <p:cTn id="1" dur="indefinite" restart="never" nodeType="tmRoot"/>
-      </p:par>
-    </p:tnLst>
-  </p:timing>
 </p:sld>
 </file>
 
@@ -34621,13 +34488,6 @@
   <p:transition spd="slow">
     <p:wipe/>
   </p:transition>
-  <p:timing>
-    <p:tnLst>
-      <p:par>
-        <p:cTn id="1" dur="indefinite" restart="never" nodeType="tmRoot"/>
-      </p:par>
-    </p:tnLst>
-  </p:timing>
 </p:sld>
 </file>
 
@@ -34699,15 +34559,6 @@
                 <a:sym typeface="Times New Roman"/>
               </a:rPr>
               <a:t>Lĩnh vực hoạt động kinh doanh chủ yếu của Công ty là sản xuất và phân phối các sản phẩm diệt côn trùng gia dụng và..</a:t>
-            </a:r>
-            <a:r>
-              <a:rPr lang="en-US" sz="2400">
-                <a:latin typeface="Times New Roman"/>
-                <a:ea typeface="Times New Roman"/>
-                <a:cs typeface="Times New Roman"/>
-                <a:sym typeface="Times New Roman"/>
-              </a:rPr>
-              <a:t/>
             </a:r>
             <a:br>
               <a:rPr lang="en-US" sz="2400">
@@ -36992,13 +36843,6 @@
   <p:transition spd="slow">
     <p:wipe/>
   </p:transition>
-  <p:timing>
-    <p:tnLst>
-      <p:par>
-        <p:cTn id="1" dur="indefinite" restart="never" nodeType="tmRoot"/>
-      </p:par>
-    </p:tnLst>
-  </p:timing>
 </p:sld>
 </file>
 
@@ -38966,13 +38810,6 @@
   <p:transition spd="slow">
     <p:wipe/>
   </p:transition>
-  <p:timing>
-    <p:tnLst>
-      <p:par>
-        <p:cTn id="1" dur="indefinite" restart="never" nodeType="tmRoot"/>
-      </p:par>
-    </p:tnLst>
-  </p:timing>
 </p:sld>
 </file>
 
@@ -40940,13 +40777,6 @@
   <p:transition spd="slow">
     <p:wipe/>
   </p:transition>
-  <p:timing>
-    <p:tnLst>
-      <p:par>
-        <p:cTn id="1" dur="indefinite" restart="never" nodeType="tmRoot"/>
-      </p:par>
-    </p:tnLst>
-  </p:timing>
 </p:sld>
 </file>
 
@@ -41032,25 +40862,18 @@
   <p:clrMapOvr>
     <a:masterClrMapping/>
   </p:clrMapOvr>
-  <mc:AlternateContent xmlns:mc="http://schemas.openxmlformats.org/markup-compatibility/2006">
-    <mc:Choice xmlns:p14="http://schemas.microsoft.com/office/powerpoint/2010/main" Requires="p14">
+  <mc:AlternateContent xmlns:mc="http://schemas.openxmlformats.org/markup-compatibility/2006" xmlns:p14="http://schemas.microsoft.com/office/powerpoint/2010/main">
+    <mc:Choice Requires="p14">
       <p:transition spd="slow" p14:dur="1500">
         <p:split orient="vert"/>
       </p:transition>
     </mc:Choice>
-    <mc:Fallback>
+    <mc:Fallback xmlns="">
       <p:transition spd="slow">
         <p:split orient="vert"/>
       </p:transition>
     </mc:Fallback>
   </mc:AlternateContent>
-  <p:timing>
-    <p:tnLst>
-      <p:par>
-        <p:cTn id="1" dur="indefinite" restart="never" nodeType="tmRoot"/>
-      </p:par>
-    </p:tnLst>
-  </p:timing>
 </p:sld>
 </file>
 
@@ -41396,13 +41219,6 @@
   <p:transition spd="slow">
     <p:wipe/>
   </p:transition>
-  <p:timing>
-    <p:tnLst>
-      <p:par>
-        <p:cTn id="1" dur="indefinite" restart="never" nodeType="tmRoot"/>
-      </p:par>
-    </p:tnLst>
-  </p:timing>
 </p:sld>
 </file>
 
@@ -46179,7 +45995,7 @@
           <a:p>
             <a:pPr algn="ctr"/>
             <a:r>
-              <a:rPr lang="en-US" sz="4000" b="1" dirty="0" smtClean="0">
+              <a:rPr lang="en-US" sz="4000" b="1" dirty="0">
                 <a:effectLst>
                   <a:outerShdw blurRad="38100" dist="38100" dir="2700000" algn="tl">
                     <a:srgbClr val="000000">
@@ -46192,17 +46008,6 @@
               </a:rPr>
               <a:t>Sơ đồ bộ máy công ty</a:t>
             </a:r>
-            <a:endParaRPr lang="en-US" sz="4000" b="1" dirty="0">
-              <a:effectLst>
-                <a:outerShdw blurRad="38100" dist="38100" dir="2700000" algn="tl">
-                  <a:srgbClr val="000000">
-                    <a:alpha val="43137"/>
-                  </a:srgbClr>
-                </a:outerShdw>
-              </a:effectLst>
-              <a:latin typeface="Times New Roman" panose="02020603050405020304" pitchFamily="18" charset="0"/>
-              <a:cs typeface="Times New Roman" panose="02020603050405020304" pitchFamily="18" charset="0"/>
-            </a:endParaRPr>
           </a:p>
         </p:txBody>
       </p:sp>
@@ -46488,16 +46293,12 @@
           <a:p>
             <a:pPr algn="ctr"/>
             <a:r>
-              <a:rPr lang="en-US" sz="2000" dirty="0" smtClean="0">
+              <a:rPr lang="en-US" sz="2000" dirty="0">
                 <a:latin typeface="Times New Roman" panose="02020603050405020304" pitchFamily="18" charset="0"/>
                 <a:cs typeface="Times New Roman" panose="02020603050405020304" pitchFamily="18" charset="0"/>
               </a:rPr>
               <a:t>GIÁM ĐỐC</a:t>
             </a:r>
-            <a:endParaRPr lang="en-US" sz="2000" dirty="0">
-              <a:latin typeface="Times New Roman" panose="02020603050405020304" pitchFamily="18" charset="0"/>
-              <a:cs typeface="Times New Roman" panose="02020603050405020304" pitchFamily="18" charset="0"/>
-            </a:endParaRPr>
           </a:p>
         </p:txBody>
       </p:sp>
@@ -46525,28 +46326,14 @@
           <a:p>
             <a:pPr algn="ctr"/>
             <a:r>
-              <a:rPr lang="en-US" sz="2000" dirty="0" err="1" smtClean="0">
+              <a:rPr lang="en-US" sz="2000" dirty="0" err="1">
                 <a:latin typeface="Times New Roman" panose="02020603050405020304" pitchFamily="18" charset="0"/>
                 <a:cs typeface="Times New Roman" panose="02020603050405020304" pitchFamily="18" charset="0"/>
               </a:rPr>
               <a:t>Phòng</a:t>
             </a:r>
             <a:r>
-              <a:rPr lang="en-US" sz="2000" dirty="0" smtClean="0">
-                <a:latin typeface="Times New Roman" panose="02020603050405020304" pitchFamily="18" charset="0"/>
-                <a:cs typeface="Times New Roman" panose="02020603050405020304" pitchFamily="18" charset="0"/>
-              </a:rPr>
-              <a:t> </a:t>
-            </a:r>
-            <a:r>
-              <a:rPr lang="en-US" sz="2000" dirty="0" err="1" smtClean="0">
-                <a:latin typeface="Times New Roman" panose="02020603050405020304" pitchFamily="18" charset="0"/>
-                <a:cs typeface="Times New Roman" panose="02020603050405020304" pitchFamily="18" charset="0"/>
-              </a:rPr>
-              <a:t>Kế</a:t>
-            </a:r>
-            <a:r>
-              <a:rPr lang="en-US" sz="2000" dirty="0" smtClean="0">
+              <a:rPr lang="en-US" sz="2000" dirty="0">
                 <a:latin typeface="Times New Roman" panose="02020603050405020304" pitchFamily="18" charset="0"/>
                 <a:cs typeface="Times New Roman" panose="02020603050405020304" pitchFamily="18" charset="0"/>
               </a:rPr>
@@ -46557,38 +46344,45 @@
                 <a:latin typeface="Times New Roman" panose="02020603050405020304" pitchFamily="18" charset="0"/>
                 <a:cs typeface="Times New Roman" panose="02020603050405020304" pitchFamily="18" charset="0"/>
               </a:rPr>
-              <a:t>t</a:t>
+              <a:t>Kế</a:t>
             </a:r>
             <a:r>
-              <a:rPr lang="en-US" sz="2000" dirty="0" err="1" smtClean="0">
+              <a:rPr lang="en-US" sz="2000" dirty="0">
                 <a:latin typeface="Times New Roman" panose="02020603050405020304" pitchFamily="18" charset="0"/>
                 <a:cs typeface="Times New Roman" panose="02020603050405020304" pitchFamily="18" charset="0"/>
               </a:rPr>
-              <a:t>oán</a:t>
+              <a:t> </a:t>
             </a:r>
             <a:r>
-              <a:rPr lang="en-US" sz="2000" dirty="0" smtClean="0">
+              <a:rPr lang="en-US" sz="2000" dirty="0" err="1">
+                <a:latin typeface="Times New Roman" panose="02020603050405020304" pitchFamily="18" charset="0"/>
+                <a:cs typeface="Times New Roman" panose="02020603050405020304" pitchFamily="18" charset="0"/>
+              </a:rPr>
+              <a:t>toán</a:t>
+            </a:r>
+            <a:r>
+              <a:rPr lang="en-US" sz="2000" dirty="0">
                 <a:latin typeface="Times New Roman" panose="02020603050405020304" pitchFamily="18" charset="0"/>
                 <a:cs typeface="Times New Roman" panose="02020603050405020304" pitchFamily="18" charset="0"/>
               </a:rPr>
               <a:t>- </a:t>
             </a:r>
             <a:r>
-              <a:rPr lang="en-US" sz="2000" dirty="0" err="1" smtClean="0">
+              <a:rPr lang="en-US" sz="2000" dirty="0" err="1">
                 <a:latin typeface="Times New Roman" panose="02020603050405020304" pitchFamily="18" charset="0"/>
                 <a:cs typeface="Times New Roman" panose="02020603050405020304" pitchFamily="18" charset="0"/>
               </a:rPr>
               <a:t>Nhân</a:t>
             </a:r>
             <a:r>
-              <a:rPr lang="en-US" sz="2000" dirty="0" smtClean="0">
+              <a:rPr lang="en-US" sz="2000" dirty="0">
                 <a:latin typeface="Times New Roman" panose="02020603050405020304" pitchFamily="18" charset="0"/>
                 <a:cs typeface="Times New Roman" panose="02020603050405020304" pitchFamily="18" charset="0"/>
               </a:rPr>
               <a:t> </a:t>
             </a:r>
             <a:r>
-              <a:rPr lang="en-US" sz="2000" dirty="0" err="1" smtClean="0">
+              <a:rPr lang="en-US" sz="2000" dirty="0" err="1">
                 <a:latin typeface="Times New Roman" panose="02020603050405020304" pitchFamily="18" charset="0"/>
                 <a:cs typeface="Times New Roman" panose="02020603050405020304" pitchFamily="18" charset="0"/>
               </a:rPr>
@@ -46625,14 +46419,14 @@
           <a:p>
             <a:pPr algn="ctr"/>
             <a:r>
-              <a:rPr lang="en-US" sz="2000" dirty="0" err="1" smtClean="0">
+              <a:rPr lang="en-US" sz="2000" dirty="0" err="1">
                 <a:latin typeface="Times New Roman" panose="02020603050405020304" pitchFamily="18" charset="0"/>
                 <a:cs typeface="Times New Roman" panose="02020603050405020304" pitchFamily="18" charset="0"/>
               </a:rPr>
               <a:t>Phòng</a:t>
             </a:r>
             <a:r>
-              <a:rPr lang="en-US" sz="2000" dirty="0" smtClean="0">
+              <a:rPr lang="en-US" sz="2000" dirty="0">
                 <a:latin typeface="Times New Roman" panose="02020603050405020304" pitchFamily="18" charset="0"/>
                 <a:cs typeface="Times New Roman" panose="02020603050405020304" pitchFamily="18" charset="0"/>
               </a:rPr>
@@ -46643,31 +46437,24 @@
                 <a:latin typeface="Times New Roman" panose="02020603050405020304" pitchFamily="18" charset="0"/>
                 <a:cs typeface="Times New Roman" panose="02020603050405020304" pitchFamily="18" charset="0"/>
               </a:rPr>
-              <a:t>K</a:t>
+              <a:t>Kinh</a:t>
             </a:r>
             <a:r>
-              <a:rPr lang="en-US" sz="2000" dirty="0" err="1" smtClean="0">
-                <a:latin typeface="Times New Roman" panose="02020603050405020304" pitchFamily="18" charset="0"/>
-                <a:cs typeface="Times New Roman" panose="02020603050405020304" pitchFamily="18" charset="0"/>
-              </a:rPr>
-              <a:t>inh</a:t>
-            </a:r>
-            <a:r>
-              <a:rPr lang="en-US" sz="2000" dirty="0" smtClean="0">
+              <a:rPr lang="en-US" sz="2000" dirty="0">
                 <a:latin typeface="Times New Roman" panose="02020603050405020304" pitchFamily="18" charset="0"/>
                 <a:cs typeface="Times New Roman" panose="02020603050405020304" pitchFamily="18" charset="0"/>
               </a:rPr>
               <a:t> </a:t>
             </a:r>
             <a:r>
-              <a:rPr lang="en-US" sz="2000" dirty="0" err="1" smtClean="0">
+              <a:rPr lang="en-US" sz="2000" dirty="0" err="1">
                 <a:latin typeface="Times New Roman" panose="02020603050405020304" pitchFamily="18" charset="0"/>
                 <a:cs typeface="Times New Roman" panose="02020603050405020304" pitchFamily="18" charset="0"/>
               </a:rPr>
               <a:t>doanh</a:t>
             </a:r>
             <a:r>
-              <a:rPr lang="en-US" sz="2000" dirty="0" smtClean="0">
+              <a:rPr lang="en-US" sz="2000" dirty="0">
                 <a:latin typeface="Times New Roman" panose="02020603050405020304" pitchFamily="18" charset="0"/>
                 <a:cs typeface="Times New Roman" panose="02020603050405020304" pitchFamily="18" charset="0"/>
               </a:rPr>
@@ -46677,7 +46464,7 @@
           <a:p>
             <a:pPr algn="ctr"/>
             <a:r>
-              <a:rPr lang="en-US" sz="2000" dirty="0" smtClean="0">
+              <a:rPr lang="en-US" sz="2000" dirty="0">
                 <a:latin typeface="Times New Roman" panose="02020603050405020304" pitchFamily="18" charset="0"/>
                 <a:cs typeface="Times New Roman" panose="02020603050405020304" pitchFamily="18" charset="0"/>
               </a:rPr>
@@ -46688,24 +46475,17 @@
                 <a:latin typeface="Times New Roman" panose="02020603050405020304" pitchFamily="18" charset="0"/>
                 <a:cs typeface="Times New Roman" panose="02020603050405020304" pitchFamily="18" charset="0"/>
               </a:rPr>
-              <a:t>K</a:t>
+              <a:t>Khách</a:t>
             </a:r>
             <a:r>
-              <a:rPr lang="en-US" sz="2000" dirty="0" err="1" smtClean="0">
-                <a:latin typeface="Times New Roman" panose="02020603050405020304" pitchFamily="18" charset="0"/>
-                <a:cs typeface="Times New Roman" panose="02020603050405020304" pitchFamily="18" charset="0"/>
-              </a:rPr>
-              <a:t>hách</a:t>
-            </a:r>
-            <a:r>
-              <a:rPr lang="en-US" sz="2000" dirty="0" smtClean="0">
+              <a:rPr lang="en-US" sz="2000" dirty="0">
                 <a:latin typeface="Times New Roman" panose="02020603050405020304" pitchFamily="18" charset="0"/>
                 <a:cs typeface="Times New Roman" panose="02020603050405020304" pitchFamily="18" charset="0"/>
               </a:rPr>
               <a:t> </a:t>
             </a:r>
             <a:r>
-              <a:rPr lang="en-US" sz="2000" dirty="0" err="1" smtClean="0">
+              <a:rPr lang="en-US" sz="2000" dirty="0" err="1">
                 <a:latin typeface="Times New Roman" panose="02020603050405020304" pitchFamily="18" charset="0"/>
                 <a:cs typeface="Times New Roman" panose="02020603050405020304" pitchFamily="18" charset="0"/>
               </a:rPr>
@@ -46742,23 +46522,19 @@
           <a:p>
             <a:pPr algn="ctr"/>
             <a:r>
-              <a:rPr lang="en-US" sz="2000" dirty="0" err="1" smtClean="0">
+              <a:rPr lang="en-US" sz="2000" dirty="0" err="1">
                 <a:latin typeface="Times New Roman" panose="02020603050405020304" pitchFamily="18" charset="0"/>
                 <a:cs typeface="Times New Roman" panose="02020603050405020304" pitchFamily="18" charset="0"/>
               </a:rPr>
               <a:t>Phòng</a:t>
             </a:r>
             <a:r>
-              <a:rPr lang="en-US" sz="2000" dirty="0" smtClean="0">
+              <a:rPr lang="en-US" sz="2000" dirty="0">
                 <a:latin typeface="Times New Roman" panose="02020603050405020304" pitchFamily="18" charset="0"/>
                 <a:cs typeface="Times New Roman" panose="02020603050405020304" pitchFamily="18" charset="0"/>
               </a:rPr>
               <a:t> R &amp; D</a:t>
             </a:r>
-            <a:endParaRPr lang="en-US" sz="2000" dirty="0">
-              <a:latin typeface="Times New Roman" panose="02020603050405020304" pitchFamily="18" charset="0"/>
-              <a:cs typeface="Times New Roman" panose="02020603050405020304" pitchFamily="18" charset="0"/>
-            </a:endParaRPr>
           </a:p>
         </p:txBody>
       </p:sp>
@@ -46786,16 +46562,12 @@
           <a:p>
             <a:pPr algn="ctr"/>
             <a:r>
-              <a:rPr lang="en-US" sz="2000" dirty="0" smtClean="0">
+              <a:rPr lang="en-US" sz="2000" dirty="0">
                 <a:latin typeface="Times New Roman" panose="02020603050405020304" pitchFamily="18" charset="0"/>
                 <a:cs typeface="Times New Roman" panose="02020603050405020304" pitchFamily="18" charset="0"/>
               </a:rPr>
               <a:t>GIÁM ĐỐC ĐIỀU HÀNH</a:t>
             </a:r>
-            <a:endParaRPr lang="en-US" sz="2000" dirty="0">
-              <a:latin typeface="Times New Roman" panose="02020603050405020304" pitchFamily="18" charset="0"/>
-              <a:cs typeface="Times New Roman" panose="02020603050405020304" pitchFamily="18" charset="0"/>
-            </a:endParaRPr>
           </a:p>
         </p:txBody>
       </p:sp>
@@ -46823,49 +46595,49 @@
           <a:p>
             <a:pPr algn="ctr"/>
             <a:r>
-              <a:rPr lang="en-US" sz="2000" dirty="0" err="1" smtClean="0">
+              <a:rPr lang="en-US" sz="2000" dirty="0" err="1">
                 <a:latin typeface="Times New Roman" panose="02020603050405020304" pitchFamily="18" charset="0"/>
                 <a:cs typeface="Times New Roman" panose="02020603050405020304" pitchFamily="18" charset="0"/>
               </a:rPr>
               <a:t>Bộ</a:t>
             </a:r>
             <a:r>
-              <a:rPr lang="en-US" sz="2000" dirty="0" smtClean="0">
+              <a:rPr lang="en-US" sz="2000" dirty="0">
                 <a:latin typeface="Times New Roman" panose="02020603050405020304" pitchFamily="18" charset="0"/>
                 <a:cs typeface="Times New Roman" panose="02020603050405020304" pitchFamily="18" charset="0"/>
               </a:rPr>
               <a:t> </a:t>
             </a:r>
             <a:r>
-              <a:rPr lang="en-US" sz="2000" dirty="0" err="1" smtClean="0">
+              <a:rPr lang="en-US" sz="2000" dirty="0" err="1">
                 <a:latin typeface="Times New Roman" panose="02020603050405020304" pitchFamily="18" charset="0"/>
                 <a:cs typeface="Times New Roman" panose="02020603050405020304" pitchFamily="18" charset="0"/>
               </a:rPr>
               <a:t>phận</a:t>
             </a:r>
             <a:r>
-              <a:rPr lang="en-US" sz="2000" dirty="0" smtClean="0">
+              <a:rPr lang="en-US" sz="2000" dirty="0">
                 <a:latin typeface="Times New Roman" panose="02020603050405020304" pitchFamily="18" charset="0"/>
                 <a:cs typeface="Times New Roman" panose="02020603050405020304" pitchFamily="18" charset="0"/>
               </a:rPr>
               <a:t> </a:t>
             </a:r>
             <a:r>
-              <a:rPr lang="en-US" sz="2000" dirty="0" err="1" smtClean="0">
+              <a:rPr lang="en-US" sz="2000" dirty="0" err="1">
                 <a:latin typeface="Times New Roman" panose="02020603050405020304" pitchFamily="18" charset="0"/>
                 <a:cs typeface="Times New Roman" panose="02020603050405020304" pitchFamily="18" charset="0"/>
               </a:rPr>
               <a:t>Sản</a:t>
             </a:r>
             <a:r>
-              <a:rPr lang="en-US" sz="2000" dirty="0" smtClean="0">
+              <a:rPr lang="en-US" sz="2000" dirty="0">
                 <a:latin typeface="Times New Roman" panose="02020603050405020304" pitchFamily="18" charset="0"/>
                 <a:cs typeface="Times New Roman" panose="02020603050405020304" pitchFamily="18" charset="0"/>
               </a:rPr>
               <a:t> </a:t>
             </a:r>
             <a:r>
-              <a:rPr lang="en-US" sz="2000" dirty="0" err="1" smtClean="0">
+              <a:rPr lang="en-US" sz="2000" dirty="0" err="1">
                 <a:latin typeface="Times New Roman" panose="02020603050405020304" pitchFamily="18" charset="0"/>
                 <a:cs typeface="Times New Roman" panose="02020603050405020304" pitchFamily="18" charset="0"/>
               </a:rPr>
@@ -47146,25 +46918,18 @@
   <p:clrMapOvr>
     <a:masterClrMapping/>
   </p:clrMapOvr>
-  <mc:AlternateContent xmlns:mc="http://schemas.openxmlformats.org/markup-compatibility/2006">
-    <mc:Choice xmlns:p14="http://schemas.microsoft.com/office/powerpoint/2010/main" Requires="p14">
+  <mc:AlternateContent xmlns:mc="http://schemas.openxmlformats.org/markup-compatibility/2006" xmlns:p14="http://schemas.microsoft.com/office/powerpoint/2010/main">
+    <mc:Choice Requires="p14">
       <p:transition spd="slow" p14:dur="1500">
         <p:split orient="vert"/>
       </p:transition>
     </mc:Choice>
-    <mc:Fallback>
+    <mc:Fallback xmlns="">
       <p:transition spd="slow">
         <p:split orient="vert"/>
       </p:transition>
     </mc:Fallback>
   </mc:AlternateContent>
-  <p:timing>
-    <p:tnLst>
-      <p:par>
-        <p:cTn id="1" dur="indefinite" restart="never" nodeType="tmRoot"/>
-      </p:par>
-    </p:tnLst>
-  </p:timing>
 </p:sld>
 </file>
 
@@ -48436,13 +48201,6 @@
   <p:transition spd="slow">
     <p:wipe/>
   </p:transition>
-  <p:timing>
-    <p:tnLst>
-      <p:par>
-        <p:cTn id="1" dur="indefinite" restart="never" nodeType="tmRoot"/>
-      </p:par>
-    </p:tnLst>
-  </p:timing>
 </p:sld>
 </file>
 
@@ -48506,49 +48264,49 @@
               <a:buNone/>
             </a:pPr>
             <a:r>
-              <a:rPr lang="en-US" sz="4800" b="1" dirty="0" err="1" smtClean="0">
+              <a:rPr lang="en-US" sz="4800" b="1" dirty="0" err="1">
                 <a:latin typeface="Times New Roman" panose="02020603050405020304" pitchFamily="18" charset="0"/>
                 <a:cs typeface="Times New Roman" panose="02020603050405020304" pitchFamily="18" charset="0"/>
               </a:rPr>
               <a:t>Sơ</a:t>
             </a:r>
             <a:r>
-              <a:rPr lang="en-US" sz="4800" b="1" dirty="0" smtClean="0">
+              <a:rPr lang="en-US" sz="4800" b="1" dirty="0">
                 <a:latin typeface="Times New Roman" panose="02020603050405020304" pitchFamily="18" charset="0"/>
                 <a:cs typeface="Times New Roman" panose="02020603050405020304" pitchFamily="18" charset="0"/>
               </a:rPr>
               <a:t> </a:t>
             </a:r>
             <a:r>
-              <a:rPr lang="en-US" sz="4800" b="1" dirty="0" err="1" smtClean="0">
+              <a:rPr lang="en-US" sz="4800" b="1" dirty="0" err="1">
                 <a:latin typeface="Times New Roman" panose="02020603050405020304" pitchFamily="18" charset="0"/>
                 <a:cs typeface="Times New Roman" panose="02020603050405020304" pitchFamily="18" charset="0"/>
               </a:rPr>
               <a:t>đồ</a:t>
             </a:r>
             <a:r>
-              <a:rPr lang="en-US" sz="4800" b="1" dirty="0" smtClean="0">
+              <a:rPr lang="en-US" sz="4800" b="1" dirty="0">
                 <a:latin typeface="Times New Roman" panose="02020603050405020304" pitchFamily="18" charset="0"/>
                 <a:cs typeface="Times New Roman" panose="02020603050405020304" pitchFamily="18" charset="0"/>
               </a:rPr>
               <a:t> </a:t>
             </a:r>
             <a:r>
-              <a:rPr lang="en-US" sz="4800" b="1" dirty="0" err="1" smtClean="0">
+              <a:rPr lang="en-US" sz="4800" b="1" dirty="0" err="1">
                 <a:latin typeface="Times New Roman" panose="02020603050405020304" pitchFamily="18" charset="0"/>
                 <a:cs typeface="Times New Roman" panose="02020603050405020304" pitchFamily="18" charset="0"/>
               </a:rPr>
               <a:t>sản</a:t>
             </a:r>
             <a:r>
-              <a:rPr lang="en-US" sz="4800" b="1" dirty="0" smtClean="0">
+              <a:rPr lang="en-US" sz="4800" b="1" dirty="0">
                 <a:latin typeface="Times New Roman" panose="02020603050405020304" pitchFamily="18" charset="0"/>
                 <a:cs typeface="Times New Roman" panose="02020603050405020304" pitchFamily="18" charset="0"/>
               </a:rPr>
               <a:t> </a:t>
             </a:r>
             <a:r>
-              <a:rPr lang="en-US" sz="4800" b="1" dirty="0" err="1" smtClean="0">
+              <a:rPr lang="en-US" sz="4800" b="1" dirty="0" err="1">
                 <a:latin typeface="Times New Roman" panose="02020603050405020304" pitchFamily="18" charset="0"/>
                 <a:cs typeface="Times New Roman" panose="02020603050405020304" pitchFamily="18" charset="0"/>
               </a:rPr>
@@ -48626,49 +48384,49 @@
           <a:p>
             <a:pPr algn="ctr"/>
             <a:r>
-              <a:rPr lang="en-US" sz="2000" dirty="0" err="1" smtClean="0">
+              <a:rPr lang="en-US" sz="2000" dirty="0" err="1">
                 <a:latin typeface="Times New Roman" panose="02020603050405020304" pitchFamily="18" charset="0"/>
                 <a:cs typeface="Times New Roman" panose="02020603050405020304" pitchFamily="18" charset="0"/>
               </a:rPr>
               <a:t>Kiểm</a:t>
             </a:r>
             <a:r>
-              <a:rPr lang="en-US" sz="2000" dirty="0" smtClean="0">
+              <a:rPr lang="en-US" sz="2000" dirty="0">
                 <a:latin typeface="Times New Roman" panose="02020603050405020304" pitchFamily="18" charset="0"/>
                 <a:cs typeface="Times New Roman" panose="02020603050405020304" pitchFamily="18" charset="0"/>
               </a:rPr>
               <a:t> </a:t>
             </a:r>
             <a:r>
-              <a:rPr lang="en-US" sz="2000" dirty="0" err="1" smtClean="0">
+              <a:rPr lang="en-US" sz="2000" dirty="0" err="1">
                 <a:latin typeface="Times New Roman" panose="02020603050405020304" pitchFamily="18" charset="0"/>
                 <a:cs typeface="Times New Roman" panose="02020603050405020304" pitchFamily="18" charset="0"/>
               </a:rPr>
               <a:t>tra</a:t>
             </a:r>
             <a:r>
-              <a:rPr lang="en-US" sz="2000" dirty="0" smtClean="0">
+              <a:rPr lang="en-US" sz="2000" dirty="0">
                 <a:latin typeface="Times New Roman" panose="02020603050405020304" pitchFamily="18" charset="0"/>
                 <a:cs typeface="Times New Roman" panose="02020603050405020304" pitchFamily="18" charset="0"/>
               </a:rPr>
               <a:t> NVL- </a:t>
             </a:r>
             <a:r>
-              <a:rPr lang="en-US" sz="2000" dirty="0" err="1" smtClean="0">
+              <a:rPr lang="en-US" sz="2000" dirty="0" err="1">
                 <a:latin typeface="Times New Roman" panose="02020603050405020304" pitchFamily="18" charset="0"/>
                 <a:cs typeface="Times New Roman" panose="02020603050405020304" pitchFamily="18" charset="0"/>
               </a:rPr>
               <a:t>Hóa</a:t>
             </a:r>
             <a:r>
-              <a:rPr lang="en-US" sz="2000" dirty="0" smtClean="0">
+              <a:rPr lang="en-US" sz="2000" dirty="0">
                 <a:latin typeface="Times New Roman" panose="02020603050405020304" pitchFamily="18" charset="0"/>
                 <a:cs typeface="Times New Roman" panose="02020603050405020304" pitchFamily="18" charset="0"/>
               </a:rPr>
               <a:t> </a:t>
             </a:r>
             <a:r>
-              <a:rPr lang="en-US" sz="2000" dirty="0" err="1" smtClean="0">
+              <a:rPr lang="en-US" sz="2000" dirty="0" err="1">
                 <a:latin typeface="Times New Roman" panose="02020603050405020304" pitchFamily="18" charset="0"/>
                 <a:cs typeface="Times New Roman" panose="02020603050405020304" pitchFamily="18" charset="0"/>
               </a:rPr>
@@ -48746,49 +48504,49 @@
           <a:p>
             <a:pPr algn="ctr"/>
             <a:r>
-              <a:rPr lang="en-US" sz="2000" dirty="0" err="1" smtClean="0">
+              <a:rPr lang="en-US" sz="2000" dirty="0" err="1">
                 <a:latin typeface="Times New Roman" panose="02020603050405020304" pitchFamily="18" charset="0"/>
                 <a:cs typeface="Times New Roman" panose="02020603050405020304" pitchFamily="18" charset="0"/>
               </a:rPr>
               <a:t>Kiểm</a:t>
             </a:r>
             <a:r>
-              <a:rPr lang="en-US" sz="2000" dirty="0" smtClean="0">
+              <a:rPr lang="en-US" sz="2000" dirty="0">
                 <a:latin typeface="Times New Roman" panose="02020603050405020304" pitchFamily="18" charset="0"/>
                 <a:cs typeface="Times New Roman" panose="02020603050405020304" pitchFamily="18" charset="0"/>
               </a:rPr>
               <a:t> </a:t>
             </a:r>
             <a:r>
-              <a:rPr lang="en-US" sz="2000" dirty="0" err="1" smtClean="0">
+              <a:rPr lang="en-US" sz="2000" dirty="0" err="1">
                 <a:latin typeface="Times New Roman" panose="02020603050405020304" pitchFamily="18" charset="0"/>
                 <a:cs typeface="Times New Roman" panose="02020603050405020304" pitchFamily="18" charset="0"/>
               </a:rPr>
               <a:t>tra</a:t>
             </a:r>
             <a:r>
-              <a:rPr lang="en-US" sz="2000" dirty="0" smtClean="0">
+              <a:rPr lang="en-US" sz="2000" dirty="0">
                 <a:latin typeface="Times New Roman" panose="02020603050405020304" pitchFamily="18" charset="0"/>
                 <a:cs typeface="Times New Roman" panose="02020603050405020304" pitchFamily="18" charset="0"/>
               </a:rPr>
               <a:t> NVL- </a:t>
             </a:r>
             <a:r>
-              <a:rPr lang="en-US" sz="2000" dirty="0" err="1" smtClean="0">
+              <a:rPr lang="en-US" sz="2000" dirty="0" err="1">
                 <a:latin typeface="Times New Roman" panose="02020603050405020304" pitchFamily="18" charset="0"/>
                 <a:cs typeface="Times New Roman" panose="02020603050405020304" pitchFamily="18" charset="0"/>
               </a:rPr>
               <a:t>Hóa</a:t>
             </a:r>
             <a:r>
-              <a:rPr lang="en-US" sz="2000" dirty="0" smtClean="0">
+              <a:rPr lang="en-US" sz="2000" dirty="0">
                 <a:latin typeface="Times New Roman" panose="02020603050405020304" pitchFamily="18" charset="0"/>
                 <a:cs typeface="Times New Roman" panose="02020603050405020304" pitchFamily="18" charset="0"/>
               </a:rPr>
               <a:t> </a:t>
             </a:r>
             <a:r>
-              <a:rPr lang="en-US" sz="2000" dirty="0" err="1" smtClean="0">
+              <a:rPr lang="en-US" sz="2000" dirty="0" err="1">
                 <a:latin typeface="Times New Roman" panose="02020603050405020304" pitchFamily="18" charset="0"/>
                 <a:cs typeface="Times New Roman" panose="02020603050405020304" pitchFamily="18" charset="0"/>
               </a:rPr>
@@ -48866,49 +48624,49 @@
           <a:p>
             <a:pPr algn="ctr"/>
             <a:r>
-              <a:rPr lang="en-US" sz="2000" dirty="0" err="1" smtClean="0">
+              <a:rPr lang="en-US" sz="2000" dirty="0" err="1">
                 <a:latin typeface="Times New Roman" panose="02020603050405020304" pitchFamily="18" charset="0"/>
                 <a:cs typeface="Times New Roman" panose="02020603050405020304" pitchFamily="18" charset="0"/>
               </a:rPr>
               <a:t>Kiểm</a:t>
             </a:r>
             <a:r>
-              <a:rPr lang="en-US" sz="2000" dirty="0" smtClean="0">
+              <a:rPr lang="en-US" sz="2000" dirty="0">
                 <a:latin typeface="Times New Roman" panose="02020603050405020304" pitchFamily="18" charset="0"/>
                 <a:cs typeface="Times New Roman" panose="02020603050405020304" pitchFamily="18" charset="0"/>
               </a:rPr>
               <a:t> </a:t>
             </a:r>
             <a:r>
-              <a:rPr lang="en-US" sz="2000" dirty="0" err="1" smtClean="0">
+              <a:rPr lang="en-US" sz="2000" dirty="0" err="1">
                 <a:latin typeface="Times New Roman" panose="02020603050405020304" pitchFamily="18" charset="0"/>
                 <a:cs typeface="Times New Roman" panose="02020603050405020304" pitchFamily="18" charset="0"/>
               </a:rPr>
               <a:t>tra</a:t>
             </a:r>
             <a:r>
-              <a:rPr lang="en-US" sz="2000" dirty="0" smtClean="0">
+              <a:rPr lang="en-US" sz="2000" dirty="0">
                 <a:latin typeface="Times New Roman" panose="02020603050405020304" pitchFamily="18" charset="0"/>
                 <a:cs typeface="Times New Roman" panose="02020603050405020304" pitchFamily="18" charset="0"/>
               </a:rPr>
               <a:t> NVL- </a:t>
             </a:r>
             <a:r>
-              <a:rPr lang="en-US" sz="2000" dirty="0" err="1" smtClean="0">
+              <a:rPr lang="en-US" sz="2000" dirty="0" err="1">
                 <a:latin typeface="Times New Roman" panose="02020603050405020304" pitchFamily="18" charset="0"/>
                 <a:cs typeface="Times New Roman" panose="02020603050405020304" pitchFamily="18" charset="0"/>
               </a:rPr>
               <a:t>Hóa</a:t>
             </a:r>
             <a:r>
-              <a:rPr lang="en-US" sz="2000" dirty="0" smtClean="0">
+              <a:rPr lang="en-US" sz="2000" dirty="0">
                 <a:latin typeface="Times New Roman" panose="02020603050405020304" pitchFamily="18" charset="0"/>
                 <a:cs typeface="Times New Roman" panose="02020603050405020304" pitchFamily="18" charset="0"/>
               </a:rPr>
               <a:t> </a:t>
             </a:r>
             <a:r>
-              <a:rPr lang="en-US" sz="2000" dirty="0" err="1" smtClean="0">
+              <a:rPr lang="en-US" sz="2000" dirty="0" err="1">
                 <a:latin typeface="Times New Roman" panose="02020603050405020304" pitchFamily="18" charset="0"/>
                 <a:cs typeface="Times New Roman" panose="02020603050405020304" pitchFamily="18" charset="0"/>
               </a:rPr>
@@ -48986,49 +48744,49 @@
           <a:p>
             <a:pPr algn="ctr"/>
             <a:r>
-              <a:rPr lang="en-US" sz="2000" dirty="0" err="1" smtClean="0">
+              <a:rPr lang="en-US" sz="2000" dirty="0" err="1">
                 <a:latin typeface="Times New Roman" panose="02020603050405020304" pitchFamily="18" charset="0"/>
                 <a:cs typeface="Times New Roman" panose="02020603050405020304" pitchFamily="18" charset="0"/>
               </a:rPr>
               <a:t>Kiểm</a:t>
             </a:r>
             <a:r>
-              <a:rPr lang="en-US" sz="2000" dirty="0" smtClean="0">
+              <a:rPr lang="en-US" sz="2000" dirty="0">
                 <a:latin typeface="Times New Roman" panose="02020603050405020304" pitchFamily="18" charset="0"/>
                 <a:cs typeface="Times New Roman" panose="02020603050405020304" pitchFamily="18" charset="0"/>
               </a:rPr>
               <a:t> </a:t>
             </a:r>
             <a:r>
-              <a:rPr lang="en-US" sz="2000" dirty="0" err="1" smtClean="0">
+              <a:rPr lang="en-US" sz="2000" dirty="0" err="1">
                 <a:latin typeface="Times New Roman" panose="02020603050405020304" pitchFamily="18" charset="0"/>
                 <a:cs typeface="Times New Roman" panose="02020603050405020304" pitchFamily="18" charset="0"/>
               </a:rPr>
               <a:t>tra</a:t>
             </a:r>
             <a:r>
-              <a:rPr lang="en-US" sz="2000" dirty="0" smtClean="0">
+              <a:rPr lang="en-US" sz="2000" dirty="0">
                 <a:latin typeface="Times New Roman" panose="02020603050405020304" pitchFamily="18" charset="0"/>
                 <a:cs typeface="Times New Roman" panose="02020603050405020304" pitchFamily="18" charset="0"/>
               </a:rPr>
               <a:t> NVL- </a:t>
             </a:r>
             <a:r>
-              <a:rPr lang="en-US" sz="2000" dirty="0" err="1" smtClean="0">
+              <a:rPr lang="en-US" sz="2000" dirty="0" err="1">
                 <a:latin typeface="Times New Roman" panose="02020603050405020304" pitchFamily="18" charset="0"/>
                 <a:cs typeface="Times New Roman" panose="02020603050405020304" pitchFamily="18" charset="0"/>
               </a:rPr>
               <a:t>Hóa</a:t>
             </a:r>
             <a:r>
-              <a:rPr lang="en-US" sz="2000" dirty="0" smtClean="0">
+              <a:rPr lang="en-US" sz="2000" dirty="0">
                 <a:latin typeface="Times New Roman" panose="02020603050405020304" pitchFamily="18" charset="0"/>
                 <a:cs typeface="Times New Roman" panose="02020603050405020304" pitchFamily="18" charset="0"/>
               </a:rPr>
               <a:t> </a:t>
             </a:r>
             <a:r>
-              <a:rPr lang="en-US" sz="2000" dirty="0" err="1" smtClean="0">
+              <a:rPr lang="en-US" sz="2000" dirty="0" err="1">
                 <a:latin typeface="Times New Roman" panose="02020603050405020304" pitchFamily="18" charset="0"/>
                 <a:cs typeface="Times New Roman" panose="02020603050405020304" pitchFamily="18" charset="0"/>
               </a:rPr>
@@ -49106,49 +48864,49 @@
           <a:p>
             <a:pPr algn="ctr"/>
             <a:r>
-              <a:rPr lang="en-US" sz="2000" dirty="0" err="1" smtClean="0">
+              <a:rPr lang="en-US" sz="2000" dirty="0" err="1">
                 <a:latin typeface="Times New Roman" panose="02020603050405020304" pitchFamily="18" charset="0"/>
                 <a:cs typeface="Times New Roman" panose="02020603050405020304" pitchFamily="18" charset="0"/>
               </a:rPr>
               <a:t>Kiểm</a:t>
             </a:r>
             <a:r>
-              <a:rPr lang="en-US" sz="2000" dirty="0" smtClean="0">
+              <a:rPr lang="en-US" sz="2000" dirty="0">
                 <a:latin typeface="Times New Roman" panose="02020603050405020304" pitchFamily="18" charset="0"/>
                 <a:cs typeface="Times New Roman" panose="02020603050405020304" pitchFamily="18" charset="0"/>
               </a:rPr>
               <a:t> </a:t>
             </a:r>
             <a:r>
-              <a:rPr lang="en-US" sz="2000" dirty="0" err="1" smtClean="0">
+              <a:rPr lang="en-US" sz="2000" dirty="0" err="1">
                 <a:latin typeface="Times New Roman" panose="02020603050405020304" pitchFamily="18" charset="0"/>
                 <a:cs typeface="Times New Roman" panose="02020603050405020304" pitchFamily="18" charset="0"/>
               </a:rPr>
               <a:t>tra</a:t>
             </a:r>
             <a:r>
-              <a:rPr lang="en-US" sz="2000" dirty="0" smtClean="0">
+              <a:rPr lang="en-US" sz="2000" dirty="0">
                 <a:latin typeface="Times New Roman" panose="02020603050405020304" pitchFamily="18" charset="0"/>
                 <a:cs typeface="Times New Roman" panose="02020603050405020304" pitchFamily="18" charset="0"/>
               </a:rPr>
               <a:t> NVL- </a:t>
             </a:r>
             <a:r>
-              <a:rPr lang="en-US" sz="2000" dirty="0" err="1" smtClean="0">
+              <a:rPr lang="en-US" sz="2000" dirty="0" err="1">
                 <a:latin typeface="Times New Roman" panose="02020603050405020304" pitchFamily="18" charset="0"/>
                 <a:cs typeface="Times New Roman" panose="02020603050405020304" pitchFamily="18" charset="0"/>
               </a:rPr>
               <a:t>Hóa</a:t>
             </a:r>
             <a:r>
-              <a:rPr lang="en-US" sz="2000" dirty="0" smtClean="0">
+              <a:rPr lang="en-US" sz="2000" dirty="0">
                 <a:latin typeface="Times New Roman" panose="02020603050405020304" pitchFamily="18" charset="0"/>
                 <a:cs typeface="Times New Roman" panose="02020603050405020304" pitchFamily="18" charset="0"/>
               </a:rPr>
               <a:t> </a:t>
             </a:r>
             <a:r>
-              <a:rPr lang="en-US" sz="2000" dirty="0" err="1" smtClean="0">
+              <a:rPr lang="en-US" sz="2000" dirty="0" err="1">
                 <a:latin typeface="Times New Roman" panose="02020603050405020304" pitchFamily="18" charset="0"/>
                 <a:cs typeface="Times New Roman" panose="02020603050405020304" pitchFamily="18" charset="0"/>
               </a:rPr>
@@ -49226,49 +48984,49 @@
           <a:p>
             <a:pPr algn="ctr"/>
             <a:r>
-              <a:rPr lang="en-US" sz="2000" dirty="0" err="1" smtClean="0">
+              <a:rPr lang="en-US" sz="2000" dirty="0" err="1">
                 <a:latin typeface="Times New Roman" panose="02020603050405020304" pitchFamily="18" charset="0"/>
                 <a:cs typeface="Times New Roman" panose="02020603050405020304" pitchFamily="18" charset="0"/>
               </a:rPr>
               <a:t>Kiểm</a:t>
             </a:r>
             <a:r>
-              <a:rPr lang="en-US" sz="2000" dirty="0" smtClean="0">
+              <a:rPr lang="en-US" sz="2000" dirty="0">
                 <a:latin typeface="Times New Roman" panose="02020603050405020304" pitchFamily="18" charset="0"/>
                 <a:cs typeface="Times New Roman" panose="02020603050405020304" pitchFamily="18" charset="0"/>
               </a:rPr>
               <a:t> </a:t>
             </a:r>
             <a:r>
-              <a:rPr lang="en-US" sz="2000" dirty="0" err="1" smtClean="0">
+              <a:rPr lang="en-US" sz="2000" dirty="0" err="1">
                 <a:latin typeface="Times New Roman" panose="02020603050405020304" pitchFamily="18" charset="0"/>
                 <a:cs typeface="Times New Roman" panose="02020603050405020304" pitchFamily="18" charset="0"/>
               </a:rPr>
               <a:t>tra</a:t>
             </a:r>
             <a:r>
-              <a:rPr lang="en-US" sz="2000" dirty="0" smtClean="0">
+              <a:rPr lang="en-US" sz="2000" dirty="0">
                 <a:latin typeface="Times New Roman" panose="02020603050405020304" pitchFamily="18" charset="0"/>
                 <a:cs typeface="Times New Roman" panose="02020603050405020304" pitchFamily="18" charset="0"/>
               </a:rPr>
               <a:t> NVL- </a:t>
             </a:r>
             <a:r>
-              <a:rPr lang="en-US" sz="2000" dirty="0" err="1" smtClean="0">
+              <a:rPr lang="en-US" sz="2000" dirty="0" err="1">
                 <a:latin typeface="Times New Roman" panose="02020603050405020304" pitchFamily="18" charset="0"/>
                 <a:cs typeface="Times New Roman" panose="02020603050405020304" pitchFamily="18" charset="0"/>
               </a:rPr>
               <a:t>Hóa</a:t>
             </a:r>
             <a:r>
-              <a:rPr lang="en-US" sz="2000" dirty="0" smtClean="0">
+              <a:rPr lang="en-US" sz="2000" dirty="0">
                 <a:latin typeface="Times New Roman" panose="02020603050405020304" pitchFamily="18" charset="0"/>
                 <a:cs typeface="Times New Roman" panose="02020603050405020304" pitchFamily="18" charset="0"/>
               </a:rPr>
               <a:t> </a:t>
             </a:r>
             <a:r>
-              <a:rPr lang="en-US" sz="2000" dirty="0" err="1" smtClean="0">
+              <a:rPr lang="en-US" sz="2000" dirty="0" err="1">
                 <a:latin typeface="Times New Roman" panose="02020603050405020304" pitchFamily="18" charset="0"/>
                 <a:cs typeface="Times New Roman" panose="02020603050405020304" pitchFamily="18" charset="0"/>
               </a:rPr>
@@ -49346,49 +49104,49 @@
           <a:p>
             <a:pPr algn="ctr"/>
             <a:r>
-              <a:rPr lang="en-US" sz="2000" dirty="0" err="1" smtClean="0">
+              <a:rPr lang="en-US" sz="2000" dirty="0" err="1">
                 <a:latin typeface="Times New Roman" panose="02020603050405020304" pitchFamily="18" charset="0"/>
                 <a:cs typeface="Times New Roman" panose="02020603050405020304" pitchFamily="18" charset="0"/>
               </a:rPr>
               <a:t>Kiểm</a:t>
             </a:r>
             <a:r>
-              <a:rPr lang="en-US" sz="2000" dirty="0" smtClean="0">
+              <a:rPr lang="en-US" sz="2000" dirty="0">
                 <a:latin typeface="Times New Roman" panose="02020603050405020304" pitchFamily="18" charset="0"/>
                 <a:cs typeface="Times New Roman" panose="02020603050405020304" pitchFamily="18" charset="0"/>
               </a:rPr>
               <a:t> </a:t>
             </a:r>
             <a:r>
-              <a:rPr lang="en-US" sz="2000" dirty="0" err="1" smtClean="0">
+              <a:rPr lang="en-US" sz="2000" dirty="0" err="1">
                 <a:latin typeface="Times New Roman" panose="02020603050405020304" pitchFamily="18" charset="0"/>
                 <a:cs typeface="Times New Roman" panose="02020603050405020304" pitchFamily="18" charset="0"/>
               </a:rPr>
               <a:t>tra</a:t>
             </a:r>
             <a:r>
-              <a:rPr lang="en-US" sz="2000" dirty="0" smtClean="0">
+              <a:rPr lang="en-US" sz="2000" dirty="0">
                 <a:latin typeface="Times New Roman" panose="02020603050405020304" pitchFamily="18" charset="0"/>
                 <a:cs typeface="Times New Roman" panose="02020603050405020304" pitchFamily="18" charset="0"/>
               </a:rPr>
               <a:t> NVL- </a:t>
             </a:r>
             <a:r>
-              <a:rPr lang="en-US" sz="2000" dirty="0" err="1" smtClean="0">
+              <a:rPr lang="en-US" sz="2000" dirty="0" err="1">
                 <a:latin typeface="Times New Roman" panose="02020603050405020304" pitchFamily="18" charset="0"/>
                 <a:cs typeface="Times New Roman" panose="02020603050405020304" pitchFamily="18" charset="0"/>
               </a:rPr>
               <a:t>Hóa</a:t>
             </a:r>
             <a:r>
-              <a:rPr lang="en-US" sz="2000" dirty="0" smtClean="0">
+              <a:rPr lang="en-US" sz="2000" dirty="0">
                 <a:latin typeface="Times New Roman" panose="02020603050405020304" pitchFamily="18" charset="0"/>
                 <a:cs typeface="Times New Roman" panose="02020603050405020304" pitchFamily="18" charset="0"/>
               </a:rPr>
               <a:t> </a:t>
             </a:r>
             <a:r>
-              <a:rPr lang="en-US" sz="2000" dirty="0" err="1" smtClean="0">
+              <a:rPr lang="en-US" sz="2000" dirty="0" err="1">
                 <a:latin typeface="Times New Roman" panose="02020603050405020304" pitchFamily="18" charset="0"/>
                 <a:cs typeface="Times New Roman" panose="02020603050405020304" pitchFamily="18" charset="0"/>
               </a:rPr>
@@ -49466,49 +49224,49 @@
           <a:p>
             <a:pPr algn="ctr"/>
             <a:r>
-              <a:rPr lang="en-US" sz="2000" dirty="0" err="1" smtClean="0">
+              <a:rPr lang="en-US" sz="2000" dirty="0" err="1">
                 <a:latin typeface="Times New Roman" panose="02020603050405020304" pitchFamily="18" charset="0"/>
                 <a:cs typeface="Times New Roman" panose="02020603050405020304" pitchFamily="18" charset="0"/>
               </a:rPr>
               <a:t>Kiểm</a:t>
             </a:r>
             <a:r>
-              <a:rPr lang="en-US" sz="2000" dirty="0" smtClean="0">
+              <a:rPr lang="en-US" sz="2000" dirty="0">
                 <a:latin typeface="Times New Roman" panose="02020603050405020304" pitchFamily="18" charset="0"/>
                 <a:cs typeface="Times New Roman" panose="02020603050405020304" pitchFamily="18" charset="0"/>
               </a:rPr>
               <a:t> </a:t>
             </a:r>
             <a:r>
-              <a:rPr lang="en-US" sz="2000" dirty="0" err="1" smtClean="0">
+              <a:rPr lang="en-US" sz="2000" dirty="0" err="1">
                 <a:latin typeface="Times New Roman" panose="02020603050405020304" pitchFamily="18" charset="0"/>
                 <a:cs typeface="Times New Roman" panose="02020603050405020304" pitchFamily="18" charset="0"/>
               </a:rPr>
               <a:t>tra</a:t>
             </a:r>
             <a:r>
-              <a:rPr lang="en-US" sz="2000" dirty="0" smtClean="0">
+              <a:rPr lang="en-US" sz="2000" dirty="0">
                 <a:latin typeface="Times New Roman" panose="02020603050405020304" pitchFamily="18" charset="0"/>
                 <a:cs typeface="Times New Roman" panose="02020603050405020304" pitchFamily="18" charset="0"/>
               </a:rPr>
               <a:t> NVL- </a:t>
             </a:r>
             <a:r>
-              <a:rPr lang="en-US" sz="2000" dirty="0" err="1" smtClean="0">
+              <a:rPr lang="en-US" sz="2000" dirty="0" err="1">
                 <a:latin typeface="Times New Roman" panose="02020603050405020304" pitchFamily="18" charset="0"/>
                 <a:cs typeface="Times New Roman" panose="02020603050405020304" pitchFamily="18" charset="0"/>
               </a:rPr>
               <a:t>Hóa</a:t>
             </a:r>
             <a:r>
-              <a:rPr lang="en-US" sz="2000" dirty="0" smtClean="0">
+              <a:rPr lang="en-US" sz="2000" dirty="0">
                 <a:latin typeface="Times New Roman" panose="02020603050405020304" pitchFamily="18" charset="0"/>
                 <a:cs typeface="Times New Roman" panose="02020603050405020304" pitchFamily="18" charset="0"/>
               </a:rPr>
               <a:t> </a:t>
             </a:r>
             <a:r>
-              <a:rPr lang="en-US" sz="2000" dirty="0" err="1" smtClean="0">
+              <a:rPr lang="en-US" sz="2000" dirty="0" err="1">
                 <a:latin typeface="Times New Roman" panose="02020603050405020304" pitchFamily="18" charset="0"/>
                 <a:cs typeface="Times New Roman" panose="02020603050405020304" pitchFamily="18" charset="0"/>
               </a:rPr>
@@ -49586,49 +49344,49 @@
           <a:p>
             <a:pPr algn="ctr"/>
             <a:r>
-              <a:rPr lang="en-US" sz="2000" dirty="0" err="1" smtClean="0">
+              <a:rPr lang="en-US" sz="2000" dirty="0" err="1">
                 <a:latin typeface="Times New Roman" panose="02020603050405020304" pitchFamily="18" charset="0"/>
                 <a:cs typeface="Times New Roman" panose="02020603050405020304" pitchFamily="18" charset="0"/>
               </a:rPr>
               <a:t>Kiểm</a:t>
             </a:r>
             <a:r>
-              <a:rPr lang="en-US" sz="2000" dirty="0" smtClean="0">
+              <a:rPr lang="en-US" sz="2000" dirty="0">
                 <a:latin typeface="Times New Roman" panose="02020603050405020304" pitchFamily="18" charset="0"/>
                 <a:cs typeface="Times New Roman" panose="02020603050405020304" pitchFamily="18" charset="0"/>
               </a:rPr>
               <a:t> </a:t>
             </a:r>
             <a:r>
-              <a:rPr lang="en-US" sz="2000" dirty="0" err="1" smtClean="0">
+              <a:rPr lang="en-US" sz="2000" dirty="0" err="1">
                 <a:latin typeface="Times New Roman" panose="02020603050405020304" pitchFamily="18" charset="0"/>
                 <a:cs typeface="Times New Roman" panose="02020603050405020304" pitchFamily="18" charset="0"/>
               </a:rPr>
               <a:t>tra</a:t>
             </a:r>
             <a:r>
-              <a:rPr lang="en-US" sz="2000" dirty="0" smtClean="0">
+              <a:rPr lang="en-US" sz="2000" dirty="0">
                 <a:latin typeface="Times New Roman" panose="02020603050405020304" pitchFamily="18" charset="0"/>
                 <a:cs typeface="Times New Roman" panose="02020603050405020304" pitchFamily="18" charset="0"/>
               </a:rPr>
               <a:t> NVL- </a:t>
             </a:r>
             <a:r>
-              <a:rPr lang="en-US" sz="2000" dirty="0" err="1" smtClean="0">
+              <a:rPr lang="en-US" sz="2000" dirty="0" err="1">
                 <a:latin typeface="Times New Roman" panose="02020603050405020304" pitchFamily="18" charset="0"/>
                 <a:cs typeface="Times New Roman" panose="02020603050405020304" pitchFamily="18" charset="0"/>
               </a:rPr>
               <a:t>Hóa</a:t>
             </a:r>
             <a:r>
-              <a:rPr lang="en-US" sz="2000" dirty="0" smtClean="0">
+              <a:rPr lang="en-US" sz="2000" dirty="0">
                 <a:latin typeface="Times New Roman" panose="02020603050405020304" pitchFamily="18" charset="0"/>
                 <a:cs typeface="Times New Roman" panose="02020603050405020304" pitchFamily="18" charset="0"/>
               </a:rPr>
               <a:t> </a:t>
             </a:r>
             <a:r>
-              <a:rPr lang="en-US" sz="2000" dirty="0" err="1" smtClean="0">
+              <a:rPr lang="en-US" sz="2000" dirty="0" err="1">
                 <a:latin typeface="Times New Roman" panose="02020603050405020304" pitchFamily="18" charset="0"/>
                 <a:cs typeface="Times New Roman" panose="02020603050405020304" pitchFamily="18" charset="0"/>
               </a:rPr>
@@ -49706,49 +49464,49 @@
           <a:p>
             <a:pPr algn="ctr"/>
             <a:r>
-              <a:rPr lang="en-US" sz="2000" dirty="0" err="1" smtClean="0">
+              <a:rPr lang="en-US" sz="2000" dirty="0" err="1">
                 <a:latin typeface="Times New Roman" panose="02020603050405020304" pitchFamily="18" charset="0"/>
                 <a:cs typeface="Times New Roman" panose="02020603050405020304" pitchFamily="18" charset="0"/>
               </a:rPr>
               <a:t>Kiểm</a:t>
             </a:r>
             <a:r>
-              <a:rPr lang="en-US" sz="2000" dirty="0" smtClean="0">
+              <a:rPr lang="en-US" sz="2000" dirty="0">
                 <a:latin typeface="Times New Roman" panose="02020603050405020304" pitchFamily="18" charset="0"/>
                 <a:cs typeface="Times New Roman" panose="02020603050405020304" pitchFamily="18" charset="0"/>
               </a:rPr>
               <a:t> </a:t>
             </a:r>
             <a:r>
-              <a:rPr lang="en-US" sz="2000" dirty="0" err="1" smtClean="0">
+              <a:rPr lang="en-US" sz="2000" dirty="0" err="1">
                 <a:latin typeface="Times New Roman" panose="02020603050405020304" pitchFamily="18" charset="0"/>
                 <a:cs typeface="Times New Roman" panose="02020603050405020304" pitchFamily="18" charset="0"/>
               </a:rPr>
               <a:t>tra</a:t>
             </a:r>
             <a:r>
-              <a:rPr lang="en-US" sz="2000" dirty="0" smtClean="0">
+              <a:rPr lang="en-US" sz="2000" dirty="0">
                 <a:latin typeface="Times New Roman" panose="02020603050405020304" pitchFamily="18" charset="0"/>
                 <a:cs typeface="Times New Roman" panose="02020603050405020304" pitchFamily="18" charset="0"/>
               </a:rPr>
               <a:t> NVL- </a:t>
             </a:r>
             <a:r>
-              <a:rPr lang="en-US" sz="2000" dirty="0" err="1" smtClean="0">
+              <a:rPr lang="en-US" sz="2000" dirty="0" err="1">
                 <a:latin typeface="Times New Roman" panose="02020603050405020304" pitchFamily="18" charset="0"/>
                 <a:cs typeface="Times New Roman" panose="02020603050405020304" pitchFamily="18" charset="0"/>
               </a:rPr>
               <a:t>Hóa</a:t>
             </a:r>
             <a:r>
-              <a:rPr lang="en-US" sz="2000" dirty="0" smtClean="0">
+              <a:rPr lang="en-US" sz="2000" dirty="0">
                 <a:latin typeface="Times New Roman" panose="02020603050405020304" pitchFamily="18" charset="0"/>
                 <a:cs typeface="Times New Roman" panose="02020603050405020304" pitchFamily="18" charset="0"/>
               </a:rPr>
               <a:t> </a:t>
             </a:r>
             <a:r>
-              <a:rPr lang="en-US" sz="2000" dirty="0" err="1" smtClean="0">
+              <a:rPr lang="en-US" sz="2000" dirty="0" err="1">
                 <a:latin typeface="Times New Roman" panose="02020603050405020304" pitchFamily="18" charset="0"/>
                 <a:cs typeface="Times New Roman" panose="02020603050405020304" pitchFamily="18" charset="0"/>
               </a:rPr>
@@ -49826,49 +49584,49 @@
           <a:p>
             <a:pPr algn="ctr"/>
             <a:r>
-              <a:rPr lang="en-US" sz="2000" dirty="0" err="1" smtClean="0">
+              <a:rPr lang="en-US" sz="2000" dirty="0" err="1">
                 <a:latin typeface="Times New Roman" panose="02020603050405020304" pitchFamily="18" charset="0"/>
                 <a:cs typeface="Times New Roman" panose="02020603050405020304" pitchFamily="18" charset="0"/>
               </a:rPr>
               <a:t>Kiểm</a:t>
             </a:r>
             <a:r>
-              <a:rPr lang="en-US" sz="2000" dirty="0" smtClean="0">
+              <a:rPr lang="en-US" sz="2000" dirty="0">
                 <a:latin typeface="Times New Roman" panose="02020603050405020304" pitchFamily="18" charset="0"/>
                 <a:cs typeface="Times New Roman" panose="02020603050405020304" pitchFamily="18" charset="0"/>
               </a:rPr>
               <a:t> </a:t>
             </a:r>
             <a:r>
-              <a:rPr lang="en-US" sz="2000" dirty="0" err="1" smtClean="0">
+              <a:rPr lang="en-US" sz="2000" dirty="0" err="1">
                 <a:latin typeface="Times New Roman" panose="02020603050405020304" pitchFamily="18" charset="0"/>
                 <a:cs typeface="Times New Roman" panose="02020603050405020304" pitchFamily="18" charset="0"/>
               </a:rPr>
               <a:t>tra</a:t>
             </a:r>
             <a:r>
-              <a:rPr lang="en-US" sz="2000" dirty="0" smtClean="0">
+              <a:rPr lang="en-US" sz="2000" dirty="0">
                 <a:latin typeface="Times New Roman" panose="02020603050405020304" pitchFamily="18" charset="0"/>
                 <a:cs typeface="Times New Roman" panose="02020603050405020304" pitchFamily="18" charset="0"/>
               </a:rPr>
               <a:t> NVL- </a:t>
             </a:r>
             <a:r>
-              <a:rPr lang="en-US" sz="2000" dirty="0" err="1" smtClean="0">
+              <a:rPr lang="en-US" sz="2000" dirty="0" err="1">
                 <a:latin typeface="Times New Roman" panose="02020603050405020304" pitchFamily="18" charset="0"/>
                 <a:cs typeface="Times New Roman" panose="02020603050405020304" pitchFamily="18" charset="0"/>
               </a:rPr>
               <a:t>Hóa</a:t>
             </a:r>
             <a:r>
-              <a:rPr lang="en-US" sz="2000" dirty="0" smtClean="0">
+              <a:rPr lang="en-US" sz="2000" dirty="0">
                 <a:latin typeface="Times New Roman" panose="02020603050405020304" pitchFamily="18" charset="0"/>
                 <a:cs typeface="Times New Roman" panose="02020603050405020304" pitchFamily="18" charset="0"/>
               </a:rPr>
               <a:t> </a:t>
             </a:r>
             <a:r>
-              <a:rPr lang="en-US" sz="2000" dirty="0" err="1" smtClean="0">
+              <a:rPr lang="en-US" sz="2000" dirty="0" err="1">
                 <a:latin typeface="Times New Roman" panose="02020603050405020304" pitchFamily="18" charset="0"/>
                 <a:cs typeface="Times New Roman" panose="02020603050405020304" pitchFamily="18" charset="0"/>
               </a:rPr>
@@ -49946,49 +49704,49 @@
           <a:p>
             <a:pPr algn="ctr"/>
             <a:r>
-              <a:rPr lang="en-US" sz="2000" dirty="0" err="1" smtClean="0">
+              <a:rPr lang="en-US" sz="2000" dirty="0" err="1">
                 <a:latin typeface="Times New Roman" panose="02020603050405020304" pitchFamily="18" charset="0"/>
                 <a:cs typeface="Times New Roman" panose="02020603050405020304" pitchFamily="18" charset="0"/>
               </a:rPr>
               <a:t>Kiểm</a:t>
             </a:r>
             <a:r>
-              <a:rPr lang="en-US" sz="2000" dirty="0" smtClean="0">
+              <a:rPr lang="en-US" sz="2000" dirty="0">
                 <a:latin typeface="Times New Roman" panose="02020603050405020304" pitchFamily="18" charset="0"/>
                 <a:cs typeface="Times New Roman" panose="02020603050405020304" pitchFamily="18" charset="0"/>
               </a:rPr>
               <a:t> </a:t>
             </a:r>
             <a:r>
-              <a:rPr lang="en-US" sz="2000" dirty="0" err="1" smtClean="0">
+              <a:rPr lang="en-US" sz="2000" dirty="0" err="1">
                 <a:latin typeface="Times New Roman" panose="02020603050405020304" pitchFamily="18" charset="0"/>
                 <a:cs typeface="Times New Roman" panose="02020603050405020304" pitchFamily="18" charset="0"/>
               </a:rPr>
               <a:t>tra</a:t>
             </a:r>
             <a:r>
-              <a:rPr lang="en-US" sz="2000" dirty="0" smtClean="0">
+              <a:rPr lang="en-US" sz="2000" dirty="0">
                 <a:latin typeface="Times New Roman" panose="02020603050405020304" pitchFamily="18" charset="0"/>
                 <a:cs typeface="Times New Roman" panose="02020603050405020304" pitchFamily="18" charset="0"/>
               </a:rPr>
               <a:t> NVL- </a:t>
             </a:r>
             <a:r>
-              <a:rPr lang="en-US" sz="2000" dirty="0" err="1" smtClean="0">
+              <a:rPr lang="en-US" sz="2000" dirty="0" err="1">
                 <a:latin typeface="Times New Roman" panose="02020603050405020304" pitchFamily="18" charset="0"/>
                 <a:cs typeface="Times New Roman" panose="02020603050405020304" pitchFamily="18" charset="0"/>
               </a:rPr>
               <a:t>Hóa</a:t>
             </a:r>
             <a:r>
-              <a:rPr lang="en-US" sz="2000" dirty="0" smtClean="0">
+              <a:rPr lang="en-US" sz="2000" dirty="0">
                 <a:latin typeface="Times New Roman" panose="02020603050405020304" pitchFamily="18" charset="0"/>
                 <a:cs typeface="Times New Roman" panose="02020603050405020304" pitchFamily="18" charset="0"/>
               </a:rPr>
               <a:t> </a:t>
             </a:r>
             <a:r>
-              <a:rPr lang="en-US" sz="2000" dirty="0" err="1" smtClean="0">
+              <a:rPr lang="en-US" sz="2000" dirty="0" err="1">
                 <a:latin typeface="Times New Roman" panose="02020603050405020304" pitchFamily="18" charset="0"/>
                 <a:cs typeface="Times New Roman" panose="02020603050405020304" pitchFamily="18" charset="0"/>
               </a:rPr>
@@ -50389,13 +50147,6 @@
   <p:transition spd="slow">
     <p:wipe/>
   </p:transition>
-  <p:timing>
-    <p:tnLst>
-      <p:par>
-        <p:cTn id="1" dur="indefinite" restart="never" nodeType="tmRoot"/>
-      </p:par>
-    </p:tnLst>
-  </p:timing>
 </p:sld>
 </file>
 
